--- a/Presentation/Dillon_Mayfield_Capstone.pptx
+++ b/Presentation/Dillon_Mayfield_Capstone.pptx
@@ -2040,7 +2040,7 @@
   <p:cSld>
     <p:spTree>
       <p:nvGrpSpPr>
-        <p:cNvPr id="512" name="Shape 512"/>
+        <p:cNvPr id="513" name="Shape 513"/>
         <p:cNvGrpSpPr/>
         <p:nvPr/>
       </p:nvGrpSpPr>
@@ -2054,7 +2054,7 @@
       </p:grpSpPr>
       <p:sp>
         <p:nvSpPr>
-          <p:cNvPr id="513" name="Google Shape;513;g36831081214_0_142:notes"/>
+          <p:cNvPr id="514" name="Google Shape;514;g36831081214_0_142:notes"/>
           <p:cNvSpPr/>
           <p:nvPr>
             <p:ph idx="2" type="sldImg"/>
@@ -2089,7 +2089,7 @@
       </p:sp>
       <p:sp>
         <p:nvSpPr>
-          <p:cNvPr id="514" name="Google Shape;514;g36831081214_0_142:notes"/>
+          <p:cNvPr id="515" name="Google Shape;515;g36831081214_0_142:notes"/>
           <p:cNvSpPr txBox="1"/>
           <p:nvPr>
             <p:ph idx="1" type="body"/>
@@ -2139,7 +2139,7 @@
   <p:cSld>
     <p:spTree>
       <p:nvGrpSpPr>
-        <p:cNvPr id="519" name="Shape 519"/>
+        <p:cNvPr id="520" name="Shape 520"/>
         <p:cNvGrpSpPr/>
         <p:nvPr/>
       </p:nvGrpSpPr>
@@ -2153,7 +2153,7 @@
       </p:grpSpPr>
       <p:sp>
         <p:nvSpPr>
-          <p:cNvPr id="520" name="Google Shape;520;g36831081214_0_121:notes"/>
+          <p:cNvPr id="521" name="Google Shape;521;g36831081214_0_121:notes"/>
           <p:cNvSpPr/>
           <p:nvPr>
             <p:ph idx="2" type="sldImg"/>
@@ -2188,7 +2188,7 @@
       </p:sp>
       <p:sp>
         <p:nvSpPr>
-          <p:cNvPr id="521" name="Google Shape;521;g36831081214_0_121:notes"/>
+          <p:cNvPr id="522" name="Google Shape;522;g36831081214_0_121:notes"/>
           <p:cNvSpPr txBox="1"/>
           <p:nvPr>
             <p:ph idx="1" type="body"/>
@@ -39081,6 +39081,96 @@
           </a:p>
         </p:txBody>
       </p:sp>
+      <p:sp>
+        <p:nvSpPr>
+          <p:cNvPr id="512" name="Google Shape;512;p73"/>
+          <p:cNvSpPr txBox="1"/>
+          <p:nvPr/>
+        </p:nvSpPr>
+        <p:spPr>
+          <a:xfrm>
+            <a:off x="2665650" y="4402775"/>
+            <a:ext cx="4046700" cy="681300"/>
+          </a:xfrm>
+          <a:prstGeom prst="rect">
+            <a:avLst/>
+          </a:prstGeom>
+          <a:noFill/>
+          <a:ln>
+            <a:noFill/>
+          </a:ln>
+        </p:spPr>
+        <p:txBody>
+          <a:bodyPr anchorCtr="0" anchor="t" bIns="91425" lIns="91425" spcFirstLastPara="1" rIns="91425" wrap="square" tIns="91425">
+            <a:noAutofit/>
+          </a:bodyPr>
+          <a:lstStyle/>
+          <a:p>
+            <a:pPr indent="0" lvl="0" marL="0" rtl="0" algn="ctr">
+              <a:spcBef>
+                <a:spcPts val="0"/>
+              </a:spcBef>
+              <a:spcAft>
+                <a:spcPts val="0"/>
+              </a:spcAft>
+              <a:buNone/>
+            </a:pPr>
+            <a:r>
+              <a:rPr lang="en" sz="1000" u="sng">
+                <a:solidFill>
+                  <a:schemeClr val="dk1"/>
+                </a:solidFill>
+                <a:latin typeface="Inter"/>
+                <a:ea typeface="Inter"/>
+                <a:cs typeface="Inter"/>
+                <a:sym typeface="Inter"/>
+              </a:rPr>
+              <a:t>Equation</a:t>
+            </a:r>
+            <a:endParaRPr sz="1000" u="sng">
+              <a:solidFill>
+                <a:schemeClr val="dk1"/>
+              </a:solidFill>
+              <a:latin typeface="Inter"/>
+              <a:ea typeface="Inter"/>
+              <a:cs typeface="Inter"/>
+              <a:sym typeface="Inter"/>
+            </a:endParaRPr>
+          </a:p>
+          <a:p>
+            <a:pPr indent="0" lvl="0" marL="0" rtl="0" algn="l">
+              <a:spcBef>
+                <a:spcPts val="0"/>
+              </a:spcBef>
+              <a:spcAft>
+                <a:spcPts val="0"/>
+              </a:spcAft>
+              <a:buNone/>
+            </a:pPr>
+            <a:r>
+              <a:rPr lang="en" sz="1000">
+                <a:solidFill>
+                  <a:schemeClr val="dk1"/>
+                </a:solidFill>
+                <a:latin typeface="Inter"/>
+                <a:ea typeface="Inter"/>
+                <a:cs typeface="Inter"/>
+                <a:sym typeface="Inter"/>
+              </a:rPr>
+              <a:t>(PP% Score *.2) + (PPK% Score *.2) + (GD Score *.15) + (Hot Steak Score *.25) + (RS Rank Score *.2) = Final Score</a:t>
+            </a:r>
+            <a:endParaRPr sz="1000">
+              <a:solidFill>
+                <a:schemeClr val="dk1"/>
+              </a:solidFill>
+              <a:latin typeface="Inter"/>
+              <a:ea typeface="Inter"/>
+              <a:cs typeface="Inter"/>
+              <a:sym typeface="Inter"/>
+            </a:endParaRPr>
+          </a:p>
+        </p:txBody>
+      </p:sp>
     </p:spTree>
   </p:cSld>
   <p:clrMapOvr>
@@ -39394,7 +39484,7 @@
   <p:cSld>
     <p:spTree>
       <p:nvGrpSpPr>
-        <p:cNvPr id="515" name="Shape 515"/>
+        <p:cNvPr id="516" name="Shape 516"/>
         <p:cNvGrpSpPr/>
         <p:nvPr/>
       </p:nvGrpSpPr>
@@ -39408,7 +39498,7 @@
       </p:grpSpPr>
       <p:sp>
         <p:nvSpPr>
-          <p:cNvPr id="516" name="Google Shape;516;p74"/>
+          <p:cNvPr id="517" name="Google Shape;517;p74"/>
           <p:cNvSpPr txBox="1"/>
           <p:nvPr>
             <p:ph idx="1" type="body"/>
@@ -39463,7 +39553,7 @@
       </p:sp>
       <p:sp>
         <p:nvSpPr>
-          <p:cNvPr id="517" name="Google Shape;517;p74"/>
+          <p:cNvPr id="518" name="Google Shape;518;p74"/>
           <p:cNvSpPr txBox="1"/>
           <p:nvPr/>
         </p:nvSpPr>
@@ -39521,7 +39611,7 @@
       </p:sp>
       <p:sp>
         <p:nvSpPr>
-          <p:cNvPr id="518" name="Google Shape;518;p74"/>
+          <p:cNvPr id="519" name="Google Shape;519;p74"/>
           <p:cNvSpPr txBox="1"/>
           <p:nvPr/>
         </p:nvSpPr>
@@ -39616,7 +39706,7 @@
                                           </p:stCondLst>
                                         </p:cTn>
                                         <p:tgtEl>
-                                          <p:spTgt spid="518"/>
+                                          <p:spTgt spid="519"/>
                                         </p:tgtEl>
                                         <p:attrNameLst>
                                           <p:attrName>style.visibility</p:attrName>
@@ -39665,7 +39755,7 @@
   <p:cSld>
     <p:spTree>
       <p:nvGrpSpPr>
-        <p:cNvPr id="522" name="Shape 522"/>
+        <p:cNvPr id="523" name="Shape 523"/>
         <p:cNvGrpSpPr/>
         <p:nvPr/>
       </p:nvGrpSpPr>
@@ -39679,7 +39769,7 @@
       </p:grpSpPr>
       <p:sp>
         <p:nvSpPr>
-          <p:cNvPr id="523" name="Google Shape;523;p75"/>
+          <p:cNvPr id="524" name="Google Shape;524;p75"/>
           <p:cNvSpPr txBox="1"/>
           <p:nvPr>
             <p:ph idx="1" type="body"/>
@@ -39734,7 +39824,7 @@
       </p:sp>
       <p:sp>
         <p:nvSpPr>
-          <p:cNvPr id="524" name="Google Shape;524;p75"/>
+          <p:cNvPr id="525" name="Google Shape;525;p75"/>
           <p:cNvSpPr txBox="1"/>
           <p:nvPr/>
         </p:nvSpPr>
@@ -39792,7 +39882,7 @@
       </p:sp>
       <p:pic>
         <p:nvPicPr>
-          <p:cNvPr id="525" name="Google Shape;525;p75" title="C10D4AB2-CFC8-40E1-83AD-5623DDD5566F_1_105_c.jpeg"/>
+          <p:cNvPr id="526" name="Google Shape;526;p75" title="C10D4AB2-CFC8-40E1-83AD-5623DDD5566F_1_105_c.jpeg"/>
           <p:cNvPicPr preferRelativeResize="0"/>
           <p:nvPr/>
         </p:nvPicPr>
@@ -42437,44 +42527,44 @@
 </file>
 
 <file path=ppt/theme/theme1.xml><?xml version="1.0" encoding="utf-8"?>
-<a:theme xmlns:a="http://schemas.openxmlformats.org/drawingml/2006/main" xmlns:r="http://schemas.openxmlformats.org/officeDocument/2006/relationships" name="Streamline">
+<a:theme xmlns:a="http://schemas.openxmlformats.org/drawingml/2006/main" xmlns:r="http://schemas.openxmlformats.org/officeDocument/2006/relationships">
   <a:themeElements>
-    <a:clrScheme name="Streamline">
+    <a:clrScheme name="Default">
       <a:dk1>
-        <a:srgbClr val="1A9988"/>
+        <a:srgbClr val="000000"/>
       </a:dk1>
       <a:lt1>
         <a:srgbClr val="FFFFFF"/>
       </a:lt1>
       <a:dk2>
-        <a:srgbClr val="1A1A1A"/>
+        <a:srgbClr val="158158"/>
       </a:dk2>
       <a:lt2>
-        <a:srgbClr val="E9EDEE"/>
+        <a:srgbClr val="F3F3F3"/>
       </a:lt2>
       <a:accent1>
-        <a:srgbClr val="595959"/>
+        <a:srgbClr val="058DC7"/>
       </a:accent1>
       <a:accent2>
-        <a:srgbClr val="6AA4C8"/>
+        <a:srgbClr val="50B432"/>
       </a:accent2>
       <a:accent3>
-        <a:srgbClr val="EB5600"/>
+        <a:srgbClr val="ED561B"/>
       </a:accent3>
       <a:accent4>
-        <a:srgbClr val="A2FFE8"/>
+        <a:srgbClr val="EDEF00"/>
       </a:accent4>
       <a:accent5>
-        <a:srgbClr val="1C3678"/>
+        <a:srgbClr val="24CBE5"/>
       </a:accent5>
       <a:accent6>
-        <a:srgbClr val="FFB8A2"/>
+        <a:srgbClr val="64E572"/>
       </a:accent6>
       <a:hlink>
-        <a:srgbClr val="1C3678"/>
+        <a:srgbClr val="2200CC"/>
       </a:hlink>
       <a:folHlink>
-        <a:srgbClr val="1C3678"/>
+        <a:srgbClr val="551A8B"/>
       </a:folHlink>
     </a:clrScheme>
     <a:fontScheme name="Office">
@@ -42995,44 +43085,44 @@
 </file>
 
 <file path=ppt/theme/theme3.xml><?xml version="1.0" encoding="utf-8"?>
-<a:theme xmlns:a="http://schemas.openxmlformats.org/drawingml/2006/main" xmlns:r="http://schemas.openxmlformats.org/officeDocument/2006/relationships">
+<a:theme xmlns:a="http://schemas.openxmlformats.org/drawingml/2006/main" xmlns:r="http://schemas.openxmlformats.org/officeDocument/2006/relationships" name="Streamline">
   <a:themeElements>
-    <a:clrScheme name="Default">
+    <a:clrScheme name="Streamline">
       <a:dk1>
-        <a:srgbClr val="000000"/>
+        <a:srgbClr val="1A9988"/>
       </a:dk1>
       <a:lt1>
         <a:srgbClr val="FFFFFF"/>
       </a:lt1>
       <a:dk2>
-        <a:srgbClr val="158158"/>
+        <a:srgbClr val="1A1A1A"/>
       </a:dk2>
       <a:lt2>
-        <a:srgbClr val="F3F3F3"/>
+        <a:srgbClr val="E9EDEE"/>
       </a:lt2>
       <a:accent1>
-        <a:srgbClr val="058DC7"/>
+        <a:srgbClr val="595959"/>
       </a:accent1>
       <a:accent2>
-        <a:srgbClr val="50B432"/>
+        <a:srgbClr val="6AA4C8"/>
       </a:accent2>
       <a:accent3>
-        <a:srgbClr val="ED561B"/>
+        <a:srgbClr val="EB5600"/>
       </a:accent3>
       <a:accent4>
-        <a:srgbClr val="EDEF00"/>
+        <a:srgbClr val="A2FFE8"/>
       </a:accent4>
       <a:accent5>
-        <a:srgbClr val="24CBE5"/>
+        <a:srgbClr val="1C3678"/>
       </a:accent5>
       <a:accent6>
-        <a:srgbClr val="64E572"/>
+        <a:srgbClr val="FFB8A2"/>
       </a:accent6>
       <a:hlink>
-        <a:srgbClr val="2200CC"/>
+        <a:srgbClr val="1C3678"/>
       </a:hlink>
       <a:folHlink>
-        <a:srgbClr val="551A8B"/>
+        <a:srgbClr val="1C3678"/>
       </a:folHlink>
     </a:clrScheme>
     <a:fontScheme name="Office">
